--- a/2024-2-29chenproposal.pptx
+++ b/2024-2-29chenproposal.pptx
@@ -8,7 +8,8 @@
     <p:sldId id="256" r:id="rId2"/>
     <p:sldId id="258" r:id="rId3"/>
     <p:sldId id="257" r:id="rId4"/>
-    <p:sldId id="259" r:id="rId5"/>
+    <p:sldId id="260" r:id="rId5"/>
+    <p:sldId id="259" r:id="rId6"/>
   </p:sldIdLst>
   <p:sldSz cx="12192000" cy="6858000"/>
   <p:notesSz cx="6858000" cy="9144000"/>
@@ -8142,12 +8143,12 @@
               <a:rPr lang="en-US" b="1" dirty="0" err="1"/>
               <a:t>statement_id</a:t>
             </a:r>
-            <a:endParaRPr lang="en-US" b="1" dirty="0"/>
+            <a:endParaRPr lang="en-US" dirty="0"/>
           </a:p>
           <a:p>
             <a:r>
               <a:rPr lang="en-US" dirty="0"/>
-              <a:t>category</a:t>
+              <a:t>category_total</a:t>
             </a:r>
           </a:p>
           <a:p>
@@ -8397,7 +8398,10 @@
             </a:r>
           </a:p>
           <a:p>
-            <a:endParaRPr lang="en-US" dirty="0"/>
+            <a:r>
+              <a:rPr lang="en-US" dirty="0"/>
+              <a:t>category</a:t>
+            </a:r>
           </a:p>
         </p:txBody>
       </p:sp>
@@ -8636,6 +8640,384 @@
 </file>
 
 <file path=ppt/slides/slide4.xml><?xml version="1.0" encoding="utf-8"?>
+<p:sld xmlns:a="http://schemas.openxmlformats.org/drawingml/2006/main" xmlns:r="http://schemas.openxmlformats.org/officeDocument/2006/relationships" xmlns:p="http://schemas.openxmlformats.org/presentationml/2006/main">
+  <p:cSld>
+    <p:bg>
+      <p:bgPr>
+        <a:solidFill>
+          <a:schemeClr val="bg1"/>
+        </a:solidFill>
+        <a:effectLst/>
+      </p:bgPr>
+    </p:bg>
+    <p:spTree>
+      <p:nvGrpSpPr>
+        <p:cNvPr id="1" name=""/>
+        <p:cNvGrpSpPr/>
+        <p:nvPr/>
+      </p:nvGrpSpPr>
+      <p:grpSpPr>
+        <a:xfrm>
+          <a:off x="0" y="0"/>
+          <a:ext cx="0" cy="0"/>
+          <a:chOff x="0" y="0"/>
+          <a:chExt cx="0" cy="0"/>
+        </a:xfrm>
+      </p:grpSpPr>
+      <p:sp useBgFill="1">
+        <p:nvSpPr>
+          <p:cNvPr id="9" name="Rectangle 8">
+            <a:extLst>
+              <a:ext uri="{FF2B5EF4-FFF2-40B4-BE49-F238E27FC236}">
+                <a16:creationId xmlns:a16="http://schemas.microsoft.com/office/drawing/2014/main" id="{ECC11440-8FCC-46C6-A3E0-D0649600F55F}"/>
+              </a:ext>
+              <a:ext uri="{C183D7F6-B498-43B3-948B-1728B52AA6E4}">
+                <adec:decorative xmlns:adec="http://schemas.microsoft.com/office/drawing/2017/decorative" val="1"/>
+              </a:ext>
+            </a:extLst>
+          </p:cNvPr>
+          <p:cNvSpPr>
+            <a:spLocks noGrp="1" noRot="1" noChangeAspect="1" noMove="1" noResize="1" noEditPoints="1" noAdjustHandles="1" noChangeArrowheads="1" noChangeShapeType="1" noTextEdit="1"/>
+          </p:cNvSpPr>
+          <p:nvPr>
+            <p:extLst>
+              <p:ext uri="{386F3935-93C4-4BCD-93E2-E3B085C9AB24}">
+                <p16:designElem xmlns:p16="http://schemas.microsoft.com/office/powerpoint/2015/main" val="1"/>
+              </p:ext>
+            </p:extLst>
+          </p:nvPr>
+        </p:nvSpPr>
+        <p:spPr>
+          <a:xfrm>
+            <a:off x="0" y="0"/>
+            <a:ext cx="12192000" cy="6858000"/>
+          </a:xfrm>
+          <a:prstGeom prst="rect">
+            <a:avLst/>
+          </a:prstGeom>
+          <a:ln w="12700" cap="flat" cmpd="sng" algn="ctr">
+            <a:noFill/>
+            <a:prstDash val="solid"/>
+            <a:miter lim="800000"/>
+          </a:ln>
+          <a:effectLst/>
+          <a:extLst>
+            <a:ext uri="{91240B29-F687-4F45-9708-019B960494DF}">
+              <a14:hiddenLine xmlns:a14="http://schemas.microsoft.com/office/drawing/2010/main" w="12700" cap="flat" cmpd="sng" algn="ctr">
+                <a:solidFill>
+                  <a:schemeClr val="accent1">
+                    <a:shade val="50000"/>
+                  </a:schemeClr>
+                </a:solidFill>
+                <a:prstDash val="solid"/>
+                <a:miter lim="800000"/>
+              </a14:hiddenLine>
+            </a:ext>
+          </a:extLst>
+        </p:spPr>
+        <p:style>
+          <a:lnRef idx="2">
+            <a:schemeClr val="accent1">
+              <a:shade val="50000"/>
+            </a:schemeClr>
+          </a:lnRef>
+          <a:fillRef idx="1">
+            <a:schemeClr val="accent1"/>
+          </a:fillRef>
+          <a:effectRef idx="0">
+            <a:schemeClr val="accent1"/>
+          </a:effectRef>
+          <a:fontRef idx="minor">
+            <a:schemeClr val="lt1"/>
+          </a:fontRef>
+        </p:style>
+        <p:txBody>
+          <a:bodyPr rtlCol="0" anchor="ctr"/>
+          <a:lstStyle/>
+          <a:p>
+            <a:pPr algn="ctr"/>
+            <a:endParaRPr lang="en-US"/>
+          </a:p>
+        </p:txBody>
+      </p:sp>
+      <p:sp>
+        <p:nvSpPr>
+          <p:cNvPr id="11" name="Rectangle 6">
+            <a:extLst>
+              <a:ext uri="{FF2B5EF4-FFF2-40B4-BE49-F238E27FC236}">
+                <a16:creationId xmlns:a16="http://schemas.microsoft.com/office/drawing/2014/main" id="{E3148E09-C3AD-4F7E-98D5-C76DE56BA8AA}"/>
+              </a:ext>
+              <a:ext uri="{C183D7F6-B498-43B3-948B-1728B52AA6E4}">
+                <adec:decorative xmlns:adec="http://schemas.microsoft.com/office/drawing/2017/decorative" val="1"/>
+              </a:ext>
+            </a:extLst>
+          </p:cNvPr>
+          <p:cNvSpPr>
+            <a:spLocks noGrp="1" noRot="1" noChangeAspect="1" noMove="1" noResize="1" noEditPoints="1" noAdjustHandles="1" noChangeArrowheads="1" noChangeShapeType="1" noTextEdit="1"/>
+          </p:cNvSpPr>
+          <p:nvPr>
+            <p:extLst>
+              <p:ext uri="{386F3935-93C4-4BCD-93E2-E3B085C9AB24}">
+                <p16:designElem xmlns:p16="http://schemas.microsoft.com/office/powerpoint/2015/main" val="1"/>
+              </p:ext>
+            </p:extLst>
+          </p:nvPr>
+        </p:nvSpPr>
+        <p:spPr>
+          <a:xfrm rot="16200000">
+            <a:off x="79529" y="3026358"/>
+            <a:ext cx="3745582" cy="3917703"/>
+          </a:xfrm>
+          <a:custGeom>
+            <a:avLst/>
+            <a:gdLst>
+              <a:gd name="connsiteX0" fmla="*/ 0 w 1369143"/>
+              <a:gd name="connsiteY0" fmla="*/ 0 h 1229160"/>
+              <a:gd name="connsiteX1" fmla="*/ 1369143 w 1369143"/>
+              <a:gd name="connsiteY1" fmla="*/ 0 h 1229160"/>
+              <a:gd name="connsiteX2" fmla="*/ 1369143 w 1369143"/>
+              <a:gd name="connsiteY2" fmla="*/ 1229160 h 1229160"/>
+              <a:gd name="connsiteX3" fmla="*/ 0 w 1369143"/>
+              <a:gd name="connsiteY3" fmla="*/ 1229160 h 1229160"/>
+              <a:gd name="connsiteX4" fmla="*/ 0 w 1369143"/>
+              <a:gd name="connsiteY4" fmla="*/ 0 h 1229160"/>
+              <a:gd name="connsiteX0" fmla="*/ 0 w 1369143"/>
+              <a:gd name="connsiteY0" fmla="*/ 0 h 1229160"/>
+              <a:gd name="connsiteX1" fmla="*/ 1369143 w 1369143"/>
+              <a:gd name="connsiteY1" fmla="*/ 0 h 1229160"/>
+              <a:gd name="connsiteX2" fmla="*/ 0 w 1369143"/>
+              <a:gd name="connsiteY2" fmla="*/ 1229160 h 1229160"/>
+              <a:gd name="connsiteX3" fmla="*/ 0 w 1369143"/>
+              <a:gd name="connsiteY3" fmla="*/ 0 h 1229160"/>
+            </a:gdLst>
+            <a:ahLst/>
+            <a:cxnLst>
+              <a:cxn ang="0">
+                <a:pos x="connsiteX0" y="connsiteY0"/>
+              </a:cxn>
+              <a:cxn ang="0">
+                <a:pos x="connsiteX1" y="connsiteY1"/>
+              </a:cxn>
+              <a:cxn ang="0">
+                <a:pos x="connsiteX2" y="connsiteY2"/>
+              </a:cxn>
+              <a:cxn ang="0">
+                <a:pos x="connsiteX3" y="connsiteY3"/>
+              </a:cxn>
+            </a:cxnLst>
+            <a:rect l="l" t="t" r="r" b="b"/>
+            <a:pathLst>
+              <a:path w="1369143" h="1229160">
+                <a:moveTo>
+                  <a:pt x="0" y="0"/>
+                </a:moveTo>
+                <a:lnTo>
+                  <a:pt x="1369143" y="0"/>
+                </a:lnTo>
+                <a:lnTo>
+                  <a:pt x="0" y="1229160"/>
+                </a:lnTo>
+                <a:lnTo>
+                  <a:pt x="0" y="0"/>
+                </a:lnTo>
+                <a:close/>
+              </a:path>
+            </a:pathLst>
+          </a:custGeom>
+          <a:solidFill>
+            <a:schemeClr val="accent1">
+              <a:lumMod val="20000"/>
+              <a:lumOff val="80000"/>
+            </a:schemeClr>
+          </a:solidFill>
+          <a:ln w="12700">
+            <a:noFill/>
+          </a:ln>
+          <a:effectLst/>
+        </p:spPr>
+        <p:style>
+          <a:lnRef idx="2">
+            <a:schemeClr val="accent1">
+              <a:shade val="50000"/>
+            </a:schemeClr>
+          </a:lnRef>
+          <a:fillRef idx="1">
+            <a:schemeClr val="accent1"/>
+          </a:fillRef>
+          <a:effectRef idx="0">
+            <a:schemeClr val="accent1"/>
+          </a:effectRef>
+          <a:fontRef idx="minor">
+            <a:schemeClr val="lt1"/>
+          </a:fontRef>
+        </p:style>
+        <p:txBody>
+          <a:bodyPr rtlCol="0" anchor="ctr"/>
+          <a:lstStyle/>
+          <a:p>
+            <a:pPr algn="ctr"/>
+            <a:endParaRPr lang="en-US"/>
+          </a:p>
+        </p:txBody>
+      </p:sp>
+      <p:sp>
+        <p:nvSpPr>
+          <p:cNvPr id="13" name="Freeform: Shape 12">
+            <a:extLst>
+              <a:ext uri="{FF2B5EF4-FFF2-40B4-BE49-F238E27FC236}">
+                <a16:creationId xmlns:a16="http://schemas.microsoft.com/office/drawing/2014/main" id="{17312020-C72A-4BE2-BDA1-E33552EEE97E}"/>
+              </a:ext>
+              <a:ext uri="{C183D7F6-B498-43B3-948B-1728B52AA6E4}">
+                <adec:decorative xmlns:adec="http://schemas.microsoft.com/office/drawing/2017/decorative" val="1"/>
+              </a:ext>
+            </a:extLst>
+          </p:cNvPr>
+          <p:cNvSpPr>
+            <a:spLocks noGrp="1" noRot="1" noChangeAspect="1" noMove="1" noResize="1" noEditPoints="1" noAdjustHandles="1" noChangeArrowheads="1" noChangeShapeType="1" noTextEdit="1"/>
+          </p:cNvSpPr>
+          <p:nvPr>
+            <p:extLst>
+              <p:ext uri="{386F3935-93C4-4BCD-93E2-E3B085C9AB24}">
+                <p16:designElem xmlns:p16="http://schemas.microsoft.com/office/powerpoint/2015/main" val="1"/>
+              </p:ext>
+            </p:extLst>
+          </p:nvPr>
+        </p:nvSpPr>
+        <p:spPr>
+          <a:xfrm rot="10800000" flipV="1">
+            <a:off x="7411259" y="31171"/>
+            <a:ext cx="4759960" cy="4759960"/>
+          </a:xfrm>
+          <a:custGeom>
+            <a:avLst/>
+            <a:gdLst>
+              <a:gd name="connsiteX0" fmla="*/ 0 w 5246915"/>
+              <a:gd name="connsiteY0" fmla="*/ 5246915 h 5246915"/>
+              <a:gd name="connsiteX1" fmla="*/ 5246915 w 5246915"/>
+              <a:gd name="connsiteY1" fmla="*/ 0 h 5246915"/>
+              <a:gd name="connsiteX2" fmla="*/ 0 w 5246915"/>
+              <a:gd name="connsiteY2" fmla="*/ 0 h 5246915"/>
+            </a:gdLst>
+            <a:ahLst/>
+            <a:cxnLst>
+              <a:cxn ang="0">
+                <a:pos x="connsiteX0" y="connsiteY0"/>
+              </a:cxn>
+              <a:cxn ang="0">
+                <a:pos x="connsiteX1" y="connsiteY1"/>
+              </a:cxn>
+              <a:cxn ang="0">
+                <a:pos x="connsiteX2" y="connsiteY2"/>
+              </a:cxn>
+            </a:cxnLst>
+            <a:rect l="l" t="t" r="r" b="b"/>
+            <a:pathLst>
+              <a:path w="5246915" h="5246915">
+                <a:moveTo>
+                  <a:pt x="0" y="5246915"/>
+                </a:moveTo>
+                <a:lnTo>
+                  <a:pt x="5246915" y="0"/>
+                </a:lnTo>
+                <a:lnTo>
+                  <a:pt x="0" y="0"/>
+                </a:lnTo>
+                <a:close/>
+              </a:path>
+            </a:pathLst>
+          </a:custGeom>
+          <a:blipFill dpi="0" rotWithShape="1">
+            <a:blip r:embed="rId2">
+              <a:extLst>
+                <a:ext uri="{96DAC541-7B7A-43D3-8B79-37D633B846F1}">
+                  <asvg:svgBlip xmlns:asvg="http://schemas.microsoft.com/office/drawing/2016/SVG/main" r:embed="rId3"/>
+                </a:ext>
+              </a:extLst>
+            </a:blip>
+            <a:srcRect/>
+            <a:tile tx="0" ty="0" sx="6000" sy="6000" flip="none" algn="tl"/>
+          </a:blipFill>
+          <a:ln>
+            <a:noFill/>
+          </a:ln>
+        </p:spPr>
+        <p:style>
+          <a:lnRef idx="2">
+            <a:schemeClr val="accent1">
+              <a:shade val="50000"/>
+            </a:schemeClr>
+          </a:lnRef>
+          <a:fillRef idx="1">
+            <a:schemeClr val="accent1"/>
+          </a:fillRef>
+          <a:effectRef idx="0">
+            <a:schemeClr val="accent1"/>
+          </a:effectRef>
+          <a:fontRef idx="minor">
+            <a:schemeClr val="lt1"/>
+          </a:fontRef>
+        </p:style>
+        <p:txBody>
+          <a:bodyPr wrap="square" rtlCol="0" anchor="ctr">
+            <a:noAutofit/>
+          </a:bodyPr>
+          <a:lstStyle/>
+          <a:p>
+            <a:pPr algn="ctr"/>
+            <a:endParaRPr lang="en-US"/>
+          </a:p>
+        </p:txBody>
+      </p:sp>
+      <p:pic>
+        <p:nvPicPr>
+          <p:cNvPr id="4" name="Picture 3">
+            <a:extLst>
+              <a:ext uri="{FF2B5EF4-FFF2-40B4-BE49-F238E27FC236}">
+                <a16:creationId xmlns:a16="http://schemas.microsoft.com/office/drawing/2014/main" id="{B9AB2FFD-1A4D-B108-6E21-E30FFA7258A2}"/>
+              </a:ext>
+            </a:extLst>
+          </p:cNvPr>
+          <p:cNvPicPr>
+            <a:picLocks noChangeAspect="1"/>
+          </p:cNvPicPr>
+          <p:nvPr/>
+        </p:nvPicPr>
+        <p:blipFill rotWithShape="1">
+          <a:blip r:embed="rId4"/>
+          <a:srcRect t="-164" b="373"/>
+          <a:stretch/>
+        </p:blipFill>
+        <p:spPr>
+          <a:xfrm>
+            <a:off x="671945" y="208466"/>
+            <a:ext cx="10848109" cy="6441067"/>
+          </a:xfrm>
+          <a:prstGeom prst="rect">
+            <a:avLst/>
+          </a:prstGeom>
+          <a:effectLst>
+            <a:outerShdw blurRad="50800" dist="38100" dir="2700000" sx="101000" sy="101000" algn="tl" rotWithShape="0">
+              <a:prstClr val="black">
+                <a:alpha val="40000"/>
+              </a:prstClr>
+            </a:outerShdw>
+          </a:effectLst>
+        </p:spPr>
+      </p:pic>
+    </p:spTree>
+    <p:extLst>
+      <p:ext uri="{BB962C8B-B14F-4D97-AF65-F5344CB8AC3E}">
+        <p14:creationId xmlns:p14="http://schemas.microsoft.com/office/powerpoint/2010/main" val="2620407060"/>
+      </p:ext>
+    </p:extLst>
+  </p:cSld>
+  <p:clrMapOvr>
+    <a:masterClrMapping/>
+  </p:clrMapOvr>
+</p:sld>
+</file>
+
+<file path=ppt/slides/slide5.xml><?xml version="1.0" encoding="utf-8"?>
 <p:sld xmlns:a="http://schemas.openxmlformats.org/drawingml/2006/main" xmlns:r="http://schemas.openxmlformats.org/officeDocument/2006/relationships" xmlns:p="http://schemas.openxmlformats.org/presentationml/2006/main">
   <p:cSld>
     <p:spTree>
